--- a/并发控制/cc_occ/slides/cc_occ.pptx
+++ b/并发控制/cc_occ/slides/cc_occ.pptx
@@ -10380,7 +10380,7 @@
             </a:r>
             <a:r>
               <a:rPr lang="zh-CN" altLang="en-US" dirty="0"/>
-              <a:t>中算法的实现，主要是包括两个函数：</a:t>
+              <a:t>中算法的实现，主要是包括三个函数：</a:t>
             </a:r>
             <a:endParaRPr lang="en-US" altLang="zh-CN" dirty="0"/>
           </a:p>
@@ -10781,7 +10781,7 @@
             <a:pPr lvl="1"/>
             <a:r>
               <a:rPr lang="zh-CN" altLang="en-US" dirty="0"/>
-              <a:t>若检查无冲突，将事务私有内存中的更新数据写入数据库使其全局可见</a:t>
+              <a:t>若验证无冲突，将事务私有内存中的更新数据写入数据库使其全局可见</a:t>
             </a:r>
             <a:endParaRPr lang="en-US" altLang="zh-CN" dirty="0"/>
           </a:p>
@@ -13934,8 +13934,8 @@
           </p:sp>
         </mc:Fallback>
       </mc:AlternateContent>
-      <mc:AlternateContent xmlns:mc="http://schemas.openxmlformats.org/markup-compatibility/2006" xmlns:a14="http://schemas.microsoft.com/office/drawing/2010/main">
-        <mc:Choice Requires="a14">
+      <mc:AlternateContent xmlns:mc="http://schemas.openxmlformats.org/markup-compatibility/2006">
+        <mc:Choice xmlns:a14="http://schemas.microsoft.com/office/drawing/2010/main" Requires="a14">
           <p:sp>
             <p:nvSpPr>
               <p:cNvPr id="30" name="文本框 29">
@@ -13950,8 +13950,8 @@
             </p:nvSpPr>
             <p:spPr>
               <a:xfrm>
-                <a:off x="6468474" y="3420648"/>
-                <a:ext cx="2708544" cy="1583895"/>
+                <a:off x="6291062" y="3655322"/>
+                <a:ext cx="2708544" cy="902555"/>
               </a:xfrm>
               <a:prstGeom prst="rect">
                 <a:avLst/>
@@ -13963,104 +13963,6 @@
                 <a:spAutoFit/>
               </a:bodyPr>
               <a:lstStyle/>
-              <a:p>
-                <a14:m>
-                  <m:oMath xmlns:m="http://schemas.openxmlformats.org/officeDocument/2006/math">
-                    <m:sSub>
-                      <m:sSubPr>
-                        <m:ctrlPr>
-                          <a:rPr lang="en-US" altLang="zh-CN" sz="2400" b="1" i="1" smtClean="0">
-                            <a:latin typeface="Cambria Math" panose="02040503050406030204" pitchFamily="18" charset="0"/>
-                          </a:rPr>
-                        </m:ctrlPr>
-                      </m:sSubPr>
-                      <m:e>
-                        <m:r>
-                          <a:rPr lang="en-US" altLang="zh-CN" sz="2400" b="1" i="1">
-                            <a:latin typeface="Cambria Math" panose="02040503050406030204" pitchFamily="18" charset="0"/>
-                          </a:rPr>
-                          <m:t>𝑻</m:t>
-                        </m:r>
-                      </m:e>
-                      <m:sub>
-                        <m:r>
-                          <a:rPr lang="en-US" altLang="zh-CN" sz="2400" b="1" i="1">
-                            <a:latin typeface="Cambria Math" panose="02040503050406030204" pitchFamily="18" charset="0"/>
-                          </a:rPr>
-                          <m:t>𝒋</m:t>
-                        </m:r>
-                        <m:r>
-                          <a:rPr lang="en-US" altLang="zh-CN" sz="2400" b="1" i="1">
-                            <a:latin typeface="Cambria Math" panose="02040503050406030204" pitchFamily="18" charset="0"/>
-                          </a:rPr>
-                          <m:t>_</m:t>
-                        </m:r>
-                        <m:r>
-                          <a:rPr lang="en-US" altLang="zh-CN" sz="2400" b="1" i="1">
-                            <a:latin typeface="Cambria Math" panose="02040503050406030204" pitchFamily="18" charset="0"/>
-                          </a:rPr>
-                          <m:t>𝒔𝒕𝒂𝒓𝒕</m:t>
-                        </m:r>
-                      </m:sub>
-                    </m:sSub>
-                    <m:r>
-                      <a:rPr lang="en-US" altLang="zh-CN" sz="2400" b="1" i="1" smtClean="0">
-                        <a:latin typeface="Cambria Math" panose="02040503050406030204" pitchFamily="18" charset="0"/>
-                      </a:rPr>
-                      <m:t>&lt;</m:t>
-                    </m:r>
-                  </m:oMath>
-                </a14:m>
-                <a:r>
-                  <a:rPr lang="en-US" altLang="zh-CN" b="1" dirty="0"/>
-                  <a:t> </a:t>
-                </a:r>
-                <a14:m>
-                  <m:oMath xmlns:m="http://schemas.openxmlformats.org/officeDocument/2006/math">
-                    <m:sSub>
-                      <m:sSubPr>
-                        <m:ctrlPr>
-                          <a:rPr lang="en-US" altLang="zh-CN" sz="2400" b="1" i="1">
-                            <a:latin typeface="Cambria Math" panose="02040503050406030204" pitchFamily="18" charset="0"/>
-                          </a:rPr>
-                        </m:ctrlPr>
-                      </m:sSubPr>
-                      <m:e>
-                        <m:r>
-                          <a:rPr lang="en-US" altLang="zh-CN" sz="2400" b="1" i="1">
-                            <a:latin typeface="Cambria Math" panose="02040503050406030204" pitchFamily="18" charset="0"/>
-                          </a:rPr>
-                          <m:t>𝑻</m:t>
-                        </m:r>
-                      </m:e>
-                      <m:sub>
-                        <m:r>
-                          <a:rPr lang="en-US" altLang="zh-CN" sz="2400" b="1" i="1">
-                            <a:latin typeface="Cambria Math" panose="02040503050406030204" pitchFamily="18" charset="0"/>
-                          </a:rPr>
-                          <m:t>𝒊</m:t>
-                        </m:r>
-                        <m:r>
-                          <a:rPr lang="en-US" altLang="zh-CN" sz="2400" b="1" i="1">
-                            <a:latin typeface="Cambria Math" panose="02040503050406030204" pitchFamily="18" charset="0"/>
-                          </a:rPr>
-                          <m:t>_</m:t>
-                        </m:r>
-                        <m:r>
-                          <a:rPr lang="en-US" altLang="zh-CN" sz="2400" b="1" i="1">
-                            <a:latin typeface="Cambria Math" panose="02040503050406030204" pitchFamily="18" charset="0"/>
-                          </a:rPr>
-                          <m:t>𝒄𝒐𝒎𝒎𝒊𝒕</m:t>
-                        </m:r>
-                      </m:sub>
-                    </m:sSub>
-                  </m:oMath>
-                </a14:m>
-                <a:endParaRPr lang="en-US" altLang="zh-CN" b="1" dirty="0"/>
-              </a:p>
-              <a:p>
-                <a:endParaRPr lang="en-US" altLang="zh-CN" b="1" dirty="0"/>
-              </a:p>
               <a:p>
                 <a14:m>
                   <m:oMath xmlns:m="http://schemas.openxmlformats.org/officeDocument/2006/math">
@@ -14139,7 +14041,7 @@
             </p:txBody>
           </p:sp>
         </mc:Choice>
-        <mc:Fallback xmlns="">
+        <mc:Fallback>
           <p:sp>
             <p:nvSpPr>
               <p:cNvPr id="30" name="文本框 29">
@@ -14156,8 +14058,8 @@
             </p:nvSpPr>
             <p:spPr>
               <a:xfrm>
-                <a:off x="6468474" y="3420648"/>
-                <a:ext cx="2708544" cy="1583895"/>
+                <a:off x="6291062" y="3655322"/>
+                <a:ext cx="2708544" cy="902555"/>
               </a:xfrm>
               <a:prstGeom prst="rect">
                 <a:avLst/>
@@ -14165,7 +14067,7 @@
               <a:blipFill>
                 <a:blip r:embed="rId8"/>
                 <a:stretch>
-                  <a:fillRect l="-7883" b="-12692"/>
+                  <a:fillRect l="-8108" t="-11486" b="-22973"/>
                 </a:stretch>
               </a:blipFill>
             </p:spPr>
@@ -15292,6 +15194,220 @@
           </a:p>
         </p:txBody>
       </p:sp>
+      <mc:AlternateContent xmlns:mc="http://schemas.openxmlformats.org/markup-compatibility/2006">
+        <mc:Choice xmlns:a14="http://schemas.microsoft.com/office/drawing/2010/main" Requires="a14">
+          <p:sp>
+            <p:nvSpPr>
+              <p:cNvPr id="3" name="矩形 2">
+                <a:extLst>
+                  <a:ext uri="{FF2B5EF4-FFF2-40B4-BE49-F238E27FC236}">
+                    <a16:creationId xmlns:a16="http://schemas.microsoft.com/office/drawing/2014/main" id="{269739C8-9794-45CB-AA2F-F6D91BF0584F}"/>
+                  </a:ext>
+                </a:extLst>
+              </p:cNvPr>
+              <p:cNvSpPr/>
+              <p:nvPr/>
+            </p:nvSpPr>
+            <p:spPr>
+              <a:xfrm>
+                <a:off x="5221388" y="3183467"/>
+                <a:ext cx="3922612" cy="496674"/>
+              </a:xfrm>
+              <a:prstGeom prst="rect">
+                <a:avLst/>
+              </a:prstGeom>
+            </p:spPr>
+            <p:txBody>
+              <a:bodyPr wrap="none">
+                <a:spAutoFit/>
+              </a:bodyPr>
+              <a:lstStyle/>
+              <a:p>
+                <a14:m>
+                  <m:oMath xmlns:m="http://schemas.openxmlformats.org/officeDocument/2006/math">
+                    <m:sSub>
+                      <m:sSubPr>
+                        <m:ctrlPr>
+                          <a:rPr lang="en-US" altLang="zh-CN" sz="2400" b="1" i="1">
+                            <a:latin typeface="Cambria Math" panose="02040503050406030204" pitchFamily="18" charset="0"/>
+                          </a:rPr>
+                        </m:ctrlPr>
+                      </m:sSubPr>
+                      <m:e>
+                        <m:r>
+                          <a:rPr lang="en-US" altLang="zh-CN" sz="2400" b="1" i="1">
+                            <a:latin typeface="Cambria Math" panose="02040503050406030204" pitchFamily="18" charset="0"/>
+                          </a:rPr>
+                          <m:t>𝑻</m:t>
+                        </m:r>
+                      </m:e>
+                      <m:sub>
+                        <m:r>
+                          <a:rPr lang="en-US" altLang="zh-CN" sz="2400" b="1" i="1">
+                            <a:latin typeface="Cambria Math" panose="02040503050406030204" pitchFamily="18" charset="0"/>
+                          </a:rPr>
+                          <m:t>𝒋</m:t>
+                        </m:r>
+                        <m:r>
+                          <a:rPr lang="en-US" altLang="zh-CN" sz="2400" b="1" i="1">
+                            <a:latin typeface="Cambria Math" panose="02040503050406030204" pitchFamily="18" charset="0"/>
+                          </a:rPr>
+                          <m:t>_</m:t>
+                        </m:r>
+                        <m:r>
+                          <a:rPr lang="en-US" altLang="zh-CN" sz="2400" b="1" i="1">
+                            <a:latin typeface="Cambria Math" panose="02040503050406030204" pitchFamily="18" charset="0"/>
+                          </a:rPr>
+                          <m:t>𝒔𝒕𝒂𝒓𝒕</m:t>
+                        </m:r>
+                      </m:sub>
+                    </m:sSub>
+                    <m:r>
+                      <a:rPr lang="en-US" altLang="zh-CN" sz="2400" b="1" i="1">
+                        <a:latin typeface="Cambria Math" panose="02040503050406030204" pitchFamily="18" charset="0"/>
+                      </a:rPr>
+                      <m:t>&lt;</m:t>
+                    </m:r>
+                  </m:oMath>
+                </a14:m>
+                <a:r>
+                  <a:rPr lang="en-US" altLang="zh-CN" sz="2400" b="1" dirty="0"/>
+                  <a:t> </a:t>
+                </a:r>
+                <a14:m>
+                  <m:oMath xmlns:m="http://schemas.openxmlformats.org/officeDocument/2006/math">
+                    <m:sSub>
+                      <m:sSubPr>
+                        <m:ctrlPr>
+                          <a:rPr lang="en-US" altLang="zh-CN" sz="2400" b="1" i="1">
+                            <a:latin typeface="Cambria Math" panose="02040503050406030204" pitchFamily="18" charset="0"/>
+                          </a:rPr>
+                        </m:ctrlPr>
+                      </m:sSubPr>
+                      <m:e>
+                        <m:r>
+                          <a:rPr lang="en-US" altLang="zh-CN" sz="2400" b="1" i="1">
+                            <a:latin typeface="Cambria Math" panose="02040503050406030204" pitchFamily="18" charset="0"/>
+                          </a:rPr>
+                          <m:t>𝑻</m:t>
+                        </m:r>
+                      </m:e>
+                      <m:sub>
+                        <m:r>
+                          <a:rPr lang="en-US" altLang="zh-CN" sz="2400" b="1" i="1">
+                            <a:latin typeface="Cambria Math" panose="02040503050406030204" pitchFamily="18" charset="0"/>
+                          </a:rPr>
+                          <m:t>𝒊</m:t>
+                        </m:r>
+                        <m:r>
+                          <a:rPr lang="en-US" altLang="zh-CN" sz="2400" b="1" i="1">
+                            <a:latin typeface="Cambria Math" panose="02040503050406030204" pitchFamily="18" charset="0"/>
+                          </a:rPr>
+                          <m:t>_</m:t>
+                        </m:r>
+                        <m:r>
+                          <a:rPr lang="en-US" altLang="zh-CN" sz="2400" b="1" i="1">
+                            <a:latin typeface="Cambria Math" panose="02040503050406030204" pitchFamily="18" charset="0"/>
+                          </a:rPr>
+                          <m:t>𝒄𝒐𝒎𝒎𝒊𝒕</m:t>
+                        </m:r>
+                      </m:sub>
+                    </m:sSub>
+                    <m:r>
+                      <a:rPr lang="en-US" altLang="zh-CN" sz="2400" b="1" i="1">
+                        <a:latin typeface="Cambria Math" panose="02040503050406030204" pitchFamily="18" charset="0"/>
+                      </a:rPr>
+                      <m:t>&lt;</m:t>
+                    </m:r>
+                    <m:sSub>
+                      <m:sSubPr>
+                        <m:ctrlPr>
+                          <a:rPr lang="en-US" altLang="zh-CN" sz="2400" b="1" i="1">
+                            <a:latin typeface="Cambria Math" panose="02040503050406030204" pitchFamily="18" charset="0"/>
+                          </a:rPr>
+                        </m:ctrlPr>
+                      </m:sSubPr>
+                      <m:e>
+                        <m:r>
+                          <a:rPr lang="en-US" altLang="zh-CN" sz="2400" b="1" i="1">
+                            <a:latin typeface="Cambria Math" panose="02040503050406030204" pitchFamily="18" charset="0"/>
+                          </a:rPr>
+                          <m:t>𝑻</m:t>
+                        </m:r>
+                      </m:e>
+                      <m:sub>
+                        <m:r>
+                          <a:rPr lang="en-US" altLang="zh-CN" sz="2400" b="1" i="1">
+                            <a:latin typeface="Cambria Math" panose="02040503050406030204" pitchFamily="18" charset="0"/>
+                          </a:rPr>
+                          <m:t>𝒋</m:t>
+                        </m:r>
+                        <m:r>
+                          <a:rPr lang="en-US" altLang="zh-CN" sz="2400" b="1" i="1">
+                            <a:latin typeface="Cambria Math" panose="02040503050406030204" pitchFamily="18" charset="0"/>
+                          </a:rPr>
+                          <m:t>_</m:t>
+                        </m:r>
+                        <m:r>
+                          <a:rPr lang="en-US" altLang="zh-CN" sz="2400" b="1" i="1">
+                            <a:latin typeface="Cambria Math" panose="02040503050406030204" pitchFamily="18" charset="0"/>
+                          </a:rPr>
+                          <m:t>𝒆𝒏𝒅</m:t>
+                        </m:r>
+                      </m:sub>
+                    </m:sSub>
+                  </m:oMath>
+                </a14:m>
+                <a:endParaRPr lang="zh-CN" altLang="en-US" sz="2000" dirty="0"/>
+              </a:p>
+            </p:txBody>
+          </p:sp>
+        </mc:Choice>
+        <mc:Fallback>
+          <p:sp>
+            <p:nvSpPr>
+              <p:cNvPr id="3" name="矩形 2">
+                <a:extLst>
+                  <a:ext uri="{FF2B5EF4-FFF2-40B4-BE49-F238E27FC236}">
+                    <a16:creationId xmlns:a16="http://schemas.microsoft.com/office/drawing/2014/main" id="{269739C8-9794-45CB-AA2F-F6D91BF0584F}"/>
+                  </a:ext>
+                </a:extLst>
+              </p:cNvPr>
+              <p:cNvSpPr>
+                <a:spLocks noRot="1" noChangeAspect="1" noMove="1" noResize="1" noEditPoints="1" noAdjustHandles="1" noChangeArrowheads="1" noChangeShapeType="1" noTextEdit="1"/>
+              </p:cNvSpPr>
+              <p:nvPr/>
+            </p:nvSpPr>
+            <p:spPr>
+              <a:xfrm>
+                <a:off x="5221388" y="3183467"/>
+                <a:ext cx="3922612" cy="496674"/>
+              </a:xfrm>
+              <a:prstGeom prst="rect">
+                <a:avLst/>
+              </a:prstGeom>
+              <a:blipFill>
+                <a:blip r:embed="rId12"/>
+                <a:stretch>
+                  <a:fillRect l="-467" b="-10976"/>
+                </a:stretch>
+              </a:blipFill>
+            </p:spPr>
+            <p:txBody>
+              <a:bodyPr/>
+              <a:lstStyle/>
+              <a:p>
+                <a:r>
+                  <a:rPr lang="zh-CN" altLang="en-US">
+                    <a:noFill/>
+                  </a:rPr>
+                  <a:t> </a:t>
+                </a:r>
+              </a:p>
+            </p:txBody>
+          </p:sp>
+        </mc:Fallback>
+      </mc:AlternateContent>
     </p:spTree>
     <p:extLst>
       <p:ext uri="{BB962C8B-B14F-4D97-AF65-F5344CB8AC3E}">
